--- a/cours6.pptx
+++ b/cours6.pptx
@@ -2811,7 +2811,7 @@
             <a:pPr marL="381600" lvl="1" indent="0">
               <a:buNone/>
             </a:pPr>
-            <a:endParaRPr lang="en-US" sz="2000">
+            <a:endParaRPr lang="en-US" sz="2000" dirty="0">
               <a:latin typeface="Source Code Pro" panose="020B0509030403020204" pitchFamily="49" charset="0"/>
               <a:ea typeface="Source Code Pro" panose="020B0509030403020204" pitchFamily="49" charset="0"/>
             </a:endParaRPr>
@@ -2821,7 +2821,7 @@
               <a:buNone/>
             </a:pPr>
             <a:r>
-              <a:rPr lang="en-US" sz="2000">
+              <a:rPr lang="en-US" sz="2000" dirty="0" err="1">
                 <a:latin typeface="Source Code Pro" panose="020B0509030403020204" pitchFamily="49" charset="0"/>
                 <a:ea typeface="Source Code Pro" panose="020B0509030403020204" pitchFamily="49" charset="0"/>
               </a:rPr>
